--- a/Presentation_Deck/haQathon2020_Android_Master_Minds.pptx
+++ b/Presentation_Deck/haQathon2020_Android_Master_Minds.pptx
@@ -5,21 +5,21 @@
     <p:sldMasterId id="2147483648" r:id="rId1"/>
   </p:sldMasterIdLst>
   <p:notesMasterIdLst>
-    <p:notesMasterId r:id="rId4"/>
+    <p:notesMasterId r:id="rId11"/>
   </p:notesMasterIdLst>
   <p:handoutMasterIdLst>
-    <p:handoutMasterId r:id="rId13"/>
+    <p:handoutMasterId r:id="rId12"/>
   </p:handoutMasterIdLst>
   <p:sldIdLst>
-    <p:sldId id="746" r:id="rId3"/>
-    <p:sldId id="813" r:id="rId5"/>
-    <p:sldId id="814" r:id="rId6"/>
-    <p:sldId id="815" r:id="rId7"/>
-    <p:sldId id="816" r:id="rId8"/>
-    <p:sldId id="817" r:id="rId9"/>
-    <p:sldId id="818" r:id="rId10"/>
-    <p:sldId id="819" r:id="rId11"/>
-    <p:sldId id="812" r:id="rId12"/>
+    <p:sldId id="746" r:id="rId2"/>
+    <p:sldId id="813" r:id="rId3"/>
+    <p:sldId id="814" r:id="rId4"/>
+    <p:sldId id="815" r:id="rId5"/>
+    <p:sldId id="816" r:id="rId6"/>
+    <p:sldId id="817" r:id="rId7"/>
+    <p:sldId id="818" r:id="rId8"/>
+    <p:sldId id="819" r:id="rId9"/>
+    <p:sldId id="812" r:id="rId10"/>
   </p:sldIdLst>
   <p:sldSz cx="12192000" cy="6858000"/>
   <p:notesSz cx="6950075" cy="9236075"/>
@@ -148,6 +148,25 @@
       </a:defRPr>
     </a:lvl9pPr>
   </p:defaultTextStyle>
+  <p:extLst>
+    <p:ext uri="{EFAFB233-063F-42B5-8137-9DF3F51BA10A}">
+      <p15:sldGuideLst xmlns:p15="http://schemas.microsoft.com/office/powerpoint/2012/main">
+        <p15:guide id="1" orient="horz" pos="2160">
+          <p15:clr>
+            <a:srgbClr val="A4A3A4"/>
+          </p15:clr>
+        </p15:guide>
+        <p15:guide id="2" pos="3840">
+          <p15:clr>
+            <a:srgbClr val="A4A3A4"/>
+          </p15:clr>
+        </p15:guide>
+      </p15:sldGuideLst>
+    </p:ext>
+    <p:ext uri="{2D200454-40CA-4A62-9FC3-DE9A4176ACB9}">
+      <p15:notesGuideLst xmlns:p15="http://schemas.microsoft.com/office/powerpoint/2012/main"/>
+    </p:ext>
+  </p:extLst>
 </p:presentation>
 </file>
 
@@ -257,6 +276,7 @@
             </a:pPr>
             <a:fld id="{61F8C44D-6CD1-4DE4-A518-789F46B62734}" type="datetimeFigureOut">
               <a:rPr lang="en-US"/>
+              <a:t>12/22/2020</a:t>
             </a:fld>
             <a:endParaRPr lang="en-US" dirty="0"/>
           </a:p>
@@ -306,6 +326,11 @@
         </p:txBody>
       </p:sp>
     </p:spTree>
+    <p:extLst>
+      <p:ext uri="{BB962C8B-B14F-4D97-AF65-F5344CB8AC3E}">
+        <p14:creationId xmlns:p14="http://schemas.microsoft.com/office/powerpoint/2010/main" val="168445315"/>
+      </p:ext>
+    </p:extLst>
   </p:cSld>
   <p:clrMap bg1="lt1" tx1="dk1" bg2="lt2" tx2="dk2" accent1="accent1" accent2="accent2" accent3="accent3" accent4="accent4" accent5="accent5" accent6="accent6" hlink="hlink" folHlink="folHlink"/>
 </p:handoutMaster>
@@ -417,6 +442,7 @@
             </a:pPr>
             <a:fld id="{76C22F21-875A-403D-A9EE-D37F2824C57D}" type="datetimeFigureOut">
               <a:rPr lang="en-US"/>
+              <a:t>12/22/2020</a:t>
             </a:fld>
             <a:endParaRPr lang="en-US" dirty="0"/>
           </a:p>
@@ -486,7 +512,6 @@
               <a:rPr lang="en-US" noProof="0"/>
               <a:t>Click to edit Master text styles</a:t>
             </a:r>
-            <a:endParaRPr lang="en-US" noProof="0"/>
           </a:p>
           <a:p>
             <a:pPr lvl="1"/>
@@ -494,7 +519,6 @@
               <a:rPr lang="en-US" noProof="0"/>
               <a:t>Second level</a:t>
             </a:r>
-            <a:endParaRPr lang="en-US" noProof="0"/>
           </a:p>
           <a:p>
             <a:pPr lvl="2"/>
@@ -502,7 +526,6 @@
               <a:rPr lang="en-US" noProof="0"/>
               <a:t>Third level</a:t>
             </a:r>
-            <a:endParaRPr lang="en-US" noProof="0"/>
           </a:p>
           <a:p>
             <a:pPr lvl="3"/>
@@ -510,7 +533,6 @@
               <a:rPr lang="en-US" noProof="0"/>
               <a:t>Fourth level</a:t>
             </a:r>
-            <a:endParaRPr lang="en-US" noProof="0"/>
           </a:p>
           <a:p>
             <a:pPr lvl="4"/>
@@ -605,12 +627,18 @@
             </a:pPr>
             <a:fld id="{8985C9ED-B0B6-438A-81C6-E9CBBE311D0C}" type="slidenum">
               <a:rPr lang="en-US"/>
+              <a:t>‹#›</a:t>
             </a:fld>
             <a:endParaRPr lang="en-US" dirty="0"/>
           </a:p>
         </p:txBody>
       </p:sp>
     </p:spTree>
+    <p:extLst>
+      <p:ext uri="{BB962C8B-B14F-4D97-AF65-F5344CB8AC3E}">
+        <p14:creationId xmlns:p14="http://schemas.microsoft.com/office/powerpoint/2010/main" val="3746906418"/>
+      </p:ext>
+    </p:extLst>
   </p:cSld>
   <p:clrMap bg1="lt1" tx1="dk1" bg2="lt2" tx2="dk2" accent1="accent1" accent2="accent2" accent3="accent3" accent4="accent4" accent5="accent5" accent6="accent6" hlink="hlink" folHlink="folHlink"/>
   <p:notesStyle>
@@ -806,7 +834,6 @@
               <a:rPr lang="en-IN" b="1" dirty="0"/>
               <a:t>Talking points:</a:t>
             </a:r>
-            <a:endParaRPr lang="en-IN" b="1" dirty="0"/>
           </a:p>
           <a:p>
             <a:pPr>
@@ -822,7 +849,6 @@
               <a:rPr lang="en-IN" dirty="0"/>
               <a:t>We have built QuEST over the last 21 years as a aspiration driven organization. We continue to push the boundaries, create new frontiers across multiple safety critical and hi-tech industries we serve. We do this by offering our Customers a range of Services and Solutions and engagement models that spans – Engineering, Enterprise solutions, Operations, Supply Chain and Technology enabled solutions covering the complete product lifecycle.  </a:t>
             </a:r>
-            <a:endParaRPr lang="en-IN" dirty="0"/>
           </a:p>
           <a:p>
             <a:pPr>
@@ -846,7 +872,6 @@
               <a:rPr lang="en-IN" dirty="0"/>
               <a:t> is a Leading Global Product Engineering and Lifecycle Services Company</a:t>
             </a:r>
-            <a:endParaRPr lang="en-IN" dirty="0"/>
           </a:p>
           <a:p>
             <a:pPr>
@@ -862,7 +887,6 @@
               <a:rPr lang="en-IN" dirty="0"/>
               <a:t>In this presentation we will cover 3 aspects of QuEST.</a:t>
             </a:r>
-            <a:endParaRPr lang="en-IN" dirty="0"/>
           </a:p>
           <a:p>
             <a:pPr>
@@ -880,7 +904,6 @@
               <a:rPr lang="en-IN" dirty="0"/>
               <a:t>WHO we are, WHAT we do and for WHOM, and why we are in business – our purpose </a:t>
             </a:r>
-            <a:endParaRPr lang="en-IN" dirty="0"/>
           </a:p>
           <a:p>
             <a:pPr marL="228600" indent="-228600">
@@ -892,7 +915,6 @@
               <a:rPr lang="en-IN" dirty="0"/>
               <a:t>Then we move on to HOW we engage with Customers</a:t>
             </a:r>
-            <a:endParaRPr lang="en-IN" dirty="0"/>
           </a:p>
           <a:p>
             <a:pPr marL="228600" indent="-228600">
@@ -904,7 +926,6 @@
               <a:rPr lang="en-IN" dirty="0"/>
               <a:t>Finally we will cover HOW we are different and can add unique value to you and help you “Create the Frontier”</a:t>
             </a:r>
-            <a:endParaRPr lang="en-IN" dirty="0"/>
           </a:p>
           <a:p>
             <a:pPr>
@@ -934,12 +955,18 @@
             </a:pPr>
             <a:fld id="{EE4BED93-8225-4AF2-87D8-7E6C0758E14E}" type="slidenum">
               <a:rPr lang="en-US" smtClean="0"/>
+              <a:t>1</a:t>
             </a:fld>
             <a:endParaRPr lang="en-US" dirty="0"/>
           </a:p>
         </p:txBody>
       </p:sp>
     </p:spTree>
+    <p:extLst>
+      <p:ext uri="{BB962C8B-B14F-4D97-AF65-F5344CB8AC3E}">
+        <p14:creationId xmlns:p14="http://schemas.microsoft.com/office/powerpoint/2010/main" val="1238759890"/>
+      </p:ext>
+    </p:extLst>
   </p:cSld>
   <p:clrMapOvr>
     <a:masterClrMapping/>
@@ -1027,7 +1054,6 @@
               <a:rPr lang="en-US" baseline="0" dirty="0" smtClean="0"/>
               <a:t> statement</a:t>
             </a:r>
-            <a:endParaRPr lang="en-US" baseline="0" dirty="0" smtClean="0"/>
           </a:p>
           <a:p>
             <a:pPr marL="0" marR="0" lvl="0" indent="0" algn="l" defTabSz="914400" rtl="0" eaLnBrk="1" fontAlgn="auto" latinLnBrk="0" hangingPunct="1">
@@ -1077,7 +1103,6 @@
               <a:rPr lang="en-US" baseline="0" dirty="0" smtClean="0"/>
               <a:t> the entry field</a:t>
             </a:r>
-            <a:endParaRPr lang="en-US" baseline="0" dirty="0" smtClean="0"/>
           </a:p>
           <a:p>
             <a:pPr marL="0" marR="0" lvl="0" indent="0" algn="l" defTabSz="914400" rtl="0" eaLnBrk="1" fontAlgn="auto" latinLnBrk="0" hangingPunct="1">
@@ -1127,7 +1152,6 @@
               <a:rPr lang="en-US" baseline="0" dirty="0" smtClean="0"/>
               <a:t> the entry field</a:t>
             </a:r>
-            <a:endParaRPr lang="en-US" baseline="0" dirty="0" smtClean="0"/>
           </a:p>
           <a:p>
             <a:pPr marL="0" marR="0" lvl="0" indent="0" algn="l" defTabSz="914400" rtl="0" eaLnBrk="1" fontAlgn="auto" latinLnBrk="0" hangingPunct="1">
@@ -1189,7 +1213,6 @@
               <a:rPr lang="en-US" baseline="0" dirty="0" smtClean="0"/>
               <a:t> the entry field</a:t>
             </a:r>
-            <a:endParaRPr lang="en-US" baseline="0" dirty="0" smtClean="0"/>
           </a:p>
           <a:p>
             <a:pPr marL="0" marR="0" lvl="0" indent="0" algn="l" defTabSz="914400" rtl="0" eaLnBrk="1" fontAlgn="auto" latinLnBrk="0" hangingPunct="1">
@@ -1239,7 +1262,6 @@
               <a:rPr lang="en-US" baseline="0" dirty="0" smtClean="0"/>
               <a:t> the entry field</a:t>
             </a:r>
-            <a:endParaRPr lang="en-US" baseline="0" dirty="0" smtClean="0"/>
           </a:p>
           <a:p>
             <a:pPr marL="0" marR="0" lvl="0" indent="0" algn="l" defTabSz="914400" rtl="0" eaLnBrk="1" fontAlgn="auto" latinLnBrk="0" hangingPunct="1">
@@ -1389,12 +1411,18 @@
           <a:p>
             <a:fld id="{B84BE044-6F0F-4F84-8EE1-DD1FC0F4B8DB}" type="slidenum">
               <a:rPr lang="en-US" smtClean="0"/>
+              <a:t>2</a:t>
             </a:fld>
             <a:endParaRPr lang="en-US"/>
           </a:p>
         </p:txBody>
       </p:sp>
     </p:spTree>
+    <p:extLst>
+      <p:ext uri="{BB962C8B-B14F-4D97-AF65-F5344CB8AC3E}">
+        <p14:creationId xmlns:p14="http://schemas.microsoft.com/office/powerpoint/2010/main" val="339865181"/>
+      </p:ext>
+    </p:extLst>
   </p:cSld>
   <p:clrMapOvr>
     <a:masterClrMapping/>
@@ -1468,6 +1496,8 @@
               </a:rPr>
               <a:t>: Illustrate the basic problem along with technologies used</a:t>
             </a:r>
+          </a:p>
+          <a:p>
             <a:endParaRPr lang="en-US" sz="1200" b="0" i="0" u="none" strike="noStrike" kern="1200" baseline="0" dirty="0" smtClean="0">
               <a:solidFill>
                 <a:schemeClr val="tx1"/>
@@ -1478,6 +1508,39 @@
             </a:endParaRPr>
           </a:p>
           <a:p>
+            <a:r>
+              <a:rPr lang="en-US" sz="1200" b="1" i="0" u="sng" strike="noStrike" kern="1200" baseline="0" dirty="0" smtClean="0">
+                <a:solidFill>
+                  <a:schemeClr val="tx1"/>
+                </a:solidFill>
+                <a:latin typeface="+mn-lt"/>
+                <a:ea typeface="+mn-ea"/>
+                <a:cs typeface="+mn-cs"/>
+              </a:rPr>
+              <a:t>Approach</a:t>
+            </a:r>
+            <a:r>
+              <a:rPr lang="en-US" sz="1200" b="0" i="0" u="none" strike="noStrike" kern="1200" baseline="0" dirty="0" smtClean="0">
+                <a:solidFill>
+                  <a:schemeClr val="tx1"/>
+                </a:solidFill>
+                <a:latin typeface="+mn-lt"/>
+                <a:ea typeface="+mn-ea"/>
+                <a:cs typeface="+mn-cs"/>
+              </a:rPr>
+              <a:t>: Methods planned to solve the target problem in order to attain a viable solution within the constrained time of 2 days of </a:t>
+            </a:r>
+            <a:r>
+              <a:rPr lang="en-US" sz="1200" b="0" i="0" u="none" strike="noStrike" kern="1200" baseline="0" dirty="0" err="1" smtClean="0">
+                <a:solidFill>
+                  <a:schemeClr val="tx1"/>
+                </a:solidFill>
+                <a:latin typeface="+mn-lt"/>
+                <a:ea typeface="+mn-ea"/>
+                <a:cs typeface="+mn-cs"/>
+              </a:rPr>
+              <a:t>hackathon</a:t>
+            </a:r>
             <a:endParaRPr lang="en-US" sz="1200" b="0" i="0" u="none" strike="noStrike" kern="1200" baseline="0" dirty="0" smtClean="0">
               <a:solidFill>
                 <a:schemeClr val="tx1"/>
@@ -1488,39 +1551,6 @@
             </a:endParaRPr>
           </a:p>
           <a:p>
-            <a:r>
-              <a:rPr lang="en-US" sz="1200" b="1" i="0" u="sng" strike="noStrike" kern="1200" baseline="0" dirty="0" smtClean="0">
-                <a:solidFill>
-                  <a:schemeClr val="tx1"/>
-                </a:solidFill>
-                <a:latin typeface="+mn-lt"/>
-                <a:ea typeface="+mn-ea"/>
-                <a:cs typeface="+mn-cs"/>
-              </a:rPr>
-              <a:t>Approach</a:t>
-            </a:r>
-            <a:r>
-              <a:rPr lang="en-US" sz="1200" b="0" i="0" u="none" strike="noStrike" kern="1200" baseline="0" dirty="0" smtClean="0">
-                <a:solidFill>
-                  <a:schemeClr val="tx1"/>
-                </a:solidFill>
-                <a:latin typeface="+mn-lt"/>
-                <a:ea typeface="+mn-ea"/>
-                <a:cs typeface="+mn-cs"/>
-              </a:rPr>
-              <a:t>: Methods planned to solve the target problem in order to attain a viable solution within the constrained time of 2 days of </a:t>
-            </a:r>
-            <a:r>
-              <a:rPr lang="en-US" sz="1200" b="0" i="0" u="none" strike="noStrike" kern="1200" baseline="0" dirty="0" err="1" smtClean="0">
-                <a:solidFill>
-                  <a:schemeClr val="tx1"/>
-                </a:solidFill>
-                <a:latin typeface="+mn-lt"/>
-                <a:ea typeface="+mn-ea"/>
-                <a:cs typeface="+mn-cs"/>
-              </a:rPr>
-              <a:t>hackathon</a:t>
-            </a:r>
             <a:endParaRPr lang="en-US" sz="1200" b="0" i="0" u="none" strike="noStrike" kern="1200" baseline="0" dirty="0" smtClean="0">
               <a:solidFill>
                 <a:schemeClr val="tx1"/>
@@ -1531,16 +1561,6 @@
             </a:endParaRPr>
           </a:p>
           <a:p>
-            <a:endParaRPr lang="en-US" sz="1200" b="0" i="0" u="none" strike="noStrike" kern="1200" baseline="0" dirty="0" smtClean="0">
-              <a:solidFill>
-                <a:schemeClr val="tx1"/>
-              </a:solidFill>
-              <a:latin typeface="+mn-lt"/>
-              <a:ea typeface="+mn-ea"/>
-              <a:cs typeface="+mn-cs"/>
-            </a:endParaRPr>
-          </a:p>
-          <a:p>
             <a:r>
               <a:rPr lang="en-US" sz="1200" b="1" i="0" u="sng" strike="noStrike" kern="1200" baseline="0" dirty="0" smtClean="0">
                 <a:solidFill>
@@ -1585,14 +1605,6 @@
               </a:rPr>
               <a:t> to be demonstrated with the help of table, diagram if any</a:t>
             </a:r>
-            <a:endParaRPr lang="en-US" sz="1200" b="0" i="0" u="none" strike="noStrike" kern="1200" baseline="0" dirty="0" smtClean="0">
-              <a:solidFill>
-                <a:schemeClr val="tx1"/>
-              </a:solidFill>
-              <a:latin typeface="+mn-lt"/>
-              <a:ea typeface="+mn-ea"/>
-              <a:cs typeface="+mn-cs"/>
-            </a:endParaRPr>
           </a:p>
           <a:p>
             <a:endParaRPr lang="en-US" dirty="0"/>
@@ -1616,12 +1628,18 @@
           <a:p>
             <a:fld id="{B84BE044-6F0F-4F84-8EE1-DD1FC0F4B8DB}" type="slidenum">
               <a:rPr lang="en-US" smtClean="0"/>
+              <a:t>3</a:t>
             </a:fld>
             <a:endParaRPr lang="en-US"/>
           </a:p>
         </p:txBody>
       </p:sp>
     </p:spTree>
+    <p:extLst>
+      <p:ext uri="{BB962C8B-B14F-4D97-AF65-F5344CB8AC3E}">
+        <p14:creationId xmlns:p14="http://schemas.microsoft.com/office/powerpoint/2010/main" val="1308032912"/>
+      </p:ext>
+    </p:extLst>
   </p:cSld>
   <p:clrMapOvr>
     <a:masterClrMapping/>
@@ -1716,12 +1734,18 @@
           <a:p>
             <a:fld id="{B84BE044-6F0F-4F84-8EE1-DD1FC0F4B8DB}" type="slidenum">
               <a:rPr lang="en-US" smtClean="0"/>
+              <a:t>4</a:t>
             </a:fld>
             <a:endParaRPr lang="en-US"/>
           </a:p>
         </p:txBody>
       </p:sp>
     </p:spTree>
+    <p:extLst>
+      <p:ext uri="{BB962C8B-B14F-4D97-AF65-F5344CB8AC3E}">
+        <p14:creationId xmlns:p14="http://schemas.microsoft.com/office/powerpoint/2010/main" val="3293092597"/>
+      </p:ext>
+    </p:extLst>
   </p:cSld>
   <p:clrMapOvr>
     <a:masterClrMapping/>
@@ -1806,12 +1830,18 @@
           <a:p>
             <a:fld id="{B84BE044-6F0F-4F84-8EE1-DD1FC0F4B8DB}" type="slidenum">
               <a:rPr lang="en-US" smtClean="0"/>
+              <a:t>5</a:t>
             </a:fld>
             <a:endParaRPr lang="en-US"/>
           </a:p>
         </p:txBody>
       </p:sp>
     </p:spTree>
+    <p:extLst>
+      <p:ext uri="{BB962C8B-B14F-4D97-AF65-F5344CB8AC3E}">
+        <p14:creationId xmlns:p14="http://schemas.microsoft.com/office/powerpoint/2010/main" val="603547894"/>
+      </p:ext>
+    </p:extLst>
   </p:cSld>
   <p:clrMapOvr>
     <a:masterClrMapping/>
@@ -1885,14 +1915,6 @@
               </a:rPr>
               <a:t>: How the Solution Can be Deployed? -- Target Environment, What is needed, etc.</a:t>
             </a:r>
-            <a:endParaRPr lang="en-US" sz="1200" b="0" i="0" u="none" strike="noStrike" kern="1200" baseline="0" dirty="0" smtClean="0">
-              <a:solidFill>
-                <a:schemeClr val="tx1"/>
-              </a:solidFill>
-              <a:latin typeface="+mn-lt"/>
-              <a:ea typeface="+mn-ea"/>
-              <a:cs typeface="+mn-cs"/>
-            </a:endParaRPr>
           </a:p>
           <a:p>
             <a:endParaRPr lang="en-US" sz="1200" b="0" i="0" u="none" strike="noStrike" kern="1200" baseline="0" dirty="0" smtClean="0">
@@ -1981,12 +2003,18 @@
           <a:p>
             <a:fld id="{B84BE044-6F0F-4F84-8EE1-DD1FC0F4B8DB}" type="slidenum">
               <a:rPr lang="en-US" smtClean="0"/>
+              <a:t>6</a:t>
             </a:fld>
             <a:endParaRPr lang="en-US"/>
           </a:p>
         </p:txBody>
       </p:sp>
     </p:spTree>
+    <p:extLst>
+      <p:ext uri="{BB962C8B-B14F-4D97-AF65-F5344CB8AC3E}">
+        <p14:creationId xmlns:p14="http://schemas.microsoft.com/office/powerpoint/2010/main" val="1004052547"/>
+      </p:ext>
+    </p:extLst>
   </p:cSld>
   <p:clrMapOvr>
     <a:masterClrMapping/>
@@ -2060,6 +2088,8 @@
               </a:rPr>
               <a:t>: Team Experience, Bottle necks, “Aha” Moments, etc.</a:t>
             </a:r>
+          </a:p>
+          <a:p>
             <a:endParaRPr lang="en-US" sz="1200" b="0" i="0" u="none" strike="noStrike" kern="1200" baseline="0" dirty="0" smtClean="0">
               <a:solidFill>
                 <a:schemeClr val="tx1"/>
@@ -2070,16 +2100,6 @@
             </a:endParaRPr>
           </a:p>
           <a:p>
-            <a:endParaRPr lang="en-US" sz="1200" b="0" i="0" u="none" strike="noStrike" kern="1200" baseline="0" dirty="0" smtClean="0">
-              <a:solidFill>
-                <a:schemeClr val="tx1"/>
-              </a:solidFill>
-              <a:latin typeface="+mn-lt"/>
-              <a:ea typeface="+mn-ea"/>
-              <a:cs typeface="+mn-cs"/>
-            </a:endParaRPr>
-          </a:p>
-          <a:p>
             <a:r>
               <a:rPr lang="en-US" sz="1200" b="1" i="0" u="sng" strike="noStrike" kern="1200" baseline="0" dirty="0" smtClean="0">
                 <a:solidFill>
@@ -2102,14 +2122,6 @@
               </a:rPr>
               <a:t>: How the solution can be improved further?</a:t>
             </a:r>
-            <a:endParaRPr lang="en-US" sz="1200" b="0" i="0" u="none" strike="noStrike" kern="1200" baseline="0" dirty="0" smtClean="0">
-              <a:solidFill>
-                <a:schemeClr val="tx1"/>
-              </a:solidFill>
-              <a:latin typeface="+mn-lt"/>
-              <a:ea typeface="+mn-ea"/>
-              <a:cs typeface="+mn-cs"/>
-            </a:endParaRPr>
           </a:p>
           <a:p>
             <a:endParaRPr lang="en-US" dirty="0"/>
@@ -2133,12 +2145,18 @@
           <a:p>
             <a:fld id="{B84BE044-6F0F-4F84-8EE1-DD1FC0F4B8DB}" type="slidenum">
               <a:rPr lang="en-US" smtClean="0"/>
+              <a:t>7</a:t>
             </a:fld>
             <a:endParaRPr lang="en-US"/>
           </a:p>
         </p:txBody>
       </p:sp>
     </p:spTree>
+    <p:extLst>
+      <p:ext uri="{BB962C8B-B14F-4D97-AF65-F5344CB8AC3E}">
+        <p14:creationId xmlns:p14="http://schemas.microsoft.com/office/powerpoint/2010/main" val="2566901312"/>
+      </p:ext>
+    </p:extLst>
   </p:cSld>
   <p:clrMapOvr>
     <a:masterClrMapping/>
@@ -2266,15 +2284,6 @@
               </a:rPr>
               <a:t>.</a:t>
             </a:r>
-            <a:endParaRPr lang="en-IN" sz="1200" kern="1200" dirty="0" smtClean="0">
-              <a:solidFill>
-                <a:schemeClr val="tx1"/>
-              </a:solidFill>
-              <a:effectLst/>
-              <a:latin typeface="+mn-lt"/>
-              <a:ea typeface="+mn-ea"/>
-              <a:cs typeface="+mn-cs"/>
-            </a:endParaRPr>
           </a:p>
           <a:p>
             <a:pPr marL="0" marR="0" lvl="0" indent="0" algn="l" defTabSz="914400" rtl="0" eaLnBrk="1" fontAlgn="auto" latinLnBrk="0" hangingPunct="1">
@@ -2337,12 +2346,18 @@
           <a:p>
             <a:fld id="{B84BE044-6F0F-4F84-8EE1-DD1FC0F4B8DB}" type="slidenum">
               <a:rPr lang="en-US" smtClean="0"/>
+              <a:t>8</a:t>
             </a:fld>
             <a:endParaRPr lang="en-US"/>
           </a:p>
         </p:txBody>
       </p:sp>
     </p:spTree>
+    <p:extLst>
+      <p:ext uri="{BB962C8B-B14F-4D97-AF65-F5344CB8AC3E}">
+        <p14:creationId xmlns:p14="http://schemas.microsoft.com/office/powerpoint/2010/main" val="3547359451"/>
+      </p:ext>
+    </p:extLst>
   </p:cSld>
   <p:clrMapOvr>
     <a:masterClrMapping/>
@@ -2351,7 +2366,7 @@
 </file>
 
 <file path=ppt/slideLayouts/slideLayout1.xml><?xml version="1.0" encoding="utf-8"?>
-<p:sldLayout xmlns:a="http://schemas.openxmlformats.org/drawingml/2006/main" xmlns:r="http://schemas.openxmlformats.org/officeDocument/2006/relationships" xmlns:p="http://schemas.openxmlformats.org/presentationml/2006/main" preserve="1" showMasterSp="0" userDrawn="1">
+<p:sldLayout xmlns:a="http://schemas.openxmlformats.org/drawingml/2006/main" xmlns:r="http://schemas.openxmlformats.org/officeDocument/2006/relationships" xmlns:p="http://schemas.openxmlformats.org/presentationml/2006/main" showMasterSp="0" preserve="1" userDrawn="1">
   <p:cSld name="Cover Slide -QuEST Corporate">
     <p:spTree>
       <p:nvGrpSpPr>
@@ -2806,15 +2821,6 @@
               </a:rPr>
               <a:t> Ltd. and may not be copied or communicated </a:t>
             </a:r>
-            <a:endParaRPr lang="en-US" sz="1000" b="0" dirty="0" smtClean="0">
-              <a:solidFill>
-                <a:schemeClr val="bg2">
-                  <a:lumMod val="50000"/>
-                </a:schemeClr>
-              </a:solidFill>
-              <a:latin typeface="Arial" panose="02080604020202020204" charset="0"/>
-              <a:cs typeface="Arial" panose="02080604020202020204" charset="0"/>
-            </a:endParaRPr>
           </a:p>
           <a:p>
             <a:pPr algn="ctr"/>
@@ -3116,6 +3122,7 @@
                 <a:latin typeface="Segoe UI Light" panose="020B0502040204020203" pitchFamily="34" charset="0"/>
                 <a:cs typeface="Segoe UI Light" panose="020B0502040204020203" pitchFamily="34" charset="0"/>
               </a:rPr>
+              <a:t>‹#›</a:t>
             </a:fld>
             <a:endParaRPr lang="en-IN" sz="1200" b="1">
               <a:solidFill>
@@ -3499,7 +3506,6 @@
               <a:rPr lang="en-US" smtClean="0"/>
               <a:t>Click to edit Master text styles</a:t>
             </a:r>
-            <a:endParaRPr lang="en-US" smtClean="0"/>
           </a:p>
           <a:p>
             <a:pPr lvl="1"/>
@@ -3834,7 +3840,6 @@
               <a:rPr lang="en-US" smtClean="0"/>
               <a:t>Click to edit Master text styles</a:t>
             </a:r>
-            <a:endParaRPr lang="en-US" smtClean="0"/>
           </a:p>
           <a:p>
             <a:pPr lvl="1"/>
@@ -3842,7 +3847,6 @@
               <a:rPr lang="en-US" smtClean="0"/>
               <a:t>Second level</a:t>
             </a:r>
-            <a:endParaRPr lang="en-US" smtClean="0"/>
           </a:p>
           <a:p>
             <a:pPr lvl="2"/>
@@ -4711,7 +4715,6 @@
               <a:rPr lang="en-US" smtClean="0"/>
               <a:t>Click to edit Master text styles</a:t>
             </a:r>
-            <a:endParaRPr lang="en-US" smtClean="0"/>
           </a:p>
           <a:p>
             <a:pPr lvl="1"/>
@@ -5319,19 +5322,6 @@
               </a:rPr>
               <a:t>Click here to edit master text styles</a:t>
             </a:r>
-            <a:endParaRPr kumimoji="0" lang="en-US" sz="1050" b="0" i="0" u="none" strike="noStrike" kern="1200" cap="none" spc="0" normalizeH="0" baseline="0" noProof="0" dirty="0" smtClean="0">
-              <a:ln>
-                <a:noFill/>
-              </a:ln>
-              <a:solidFill>
-                <a:schemeClr val="tx1"/>
-              </a:solidFill>
-              <a:effectLst/>
-              <a:uLnTx/>
-              <a:uFillTx/>
-              <a:latin typeface="Segoe UI" panose="020B0502040204020203" pitchFamily="34" charset="0"/>
-              <a:cs typeface="Segoe UI" panose="020B0502040204020203" pitchFamily="34" charset="0"/>
-            </a:endParaRPr>
           </a:p>
           <a:p>
             <a:pPr marL="341630" marR="0" lvl="1" indent="-170180" algn="l" defTabSz="914400" rtl="0" eaLnBrk="1" fontAlgn="base" latinLnBrk="0" hangingPunct="1">
@@ -5368,19 +5358,6 @@
               </a:rPr>
               <a:t>Design and development of complex hardware</a:t>
             </a:r>
-            <a:endParaRPr kumimoji="0" lang="en-US" sz="1000" b="0" i="0" u="none" strike="noStrike" kern="1200" cap="none" spc="0" normalizeH="0" baseline="0" noProof="0" dirty="0" smtClean="0">
-              <a:ln>
-                <a:noFill/>
-              </a:ln>
-              <a:solidFill>
-                <a:schemeClr val="tx1"/>
-              </a:solidFill>
-              <a:effectLst/>
-              <a:uLnTx/>
-              <a:uFillTx/>
-              <a:latin typeface="Segoe UI" panose="020B0502040204020203" pitchFamily="34" charset="0"/>
-              <a:cs typeface="Segoe UI" panose="020B0502040204020203" pitchFamily="34" charset="0"/>
-            </a:endParaRPr>
           </a:p>
           <a:p>
             <a:pPr marL="341630" marR="0" lvl="1" indent="-170180" algn="l" defTabSz="914400" rtl="0" eaLnBrk="1" fontAlgn="base" latinLnBrk="0" hangingPunct="1">
@@ -5606,19 +5583,6 @@
               </a:rPr>
               <a:t>Click here to edit master text styles</a:t>
             </a:r>
-            <a:endParaRPr kumimoji="0" lang="en-US" sz="1050" b="0" i="0" u="none" strike="noStrike" kern="1200" cap="none" spc="0" normalizeH="0" baseline="0" noProof="0" dirty="0" smtClean="0">
-              <a:ln>
-                <a:noFill/>
-              </a:ln>
-              <a:solidFill>
-                <a:schemeClr val="tx1"/>
-              </a:solidFill>
-              <a:effectLst/>
-              <a:uLnTx/>
-              <a:uFillTx/>
-              <a:latin typeface="Segoe UI" panose="020B0502040204020203" pitchFamily="34" charset="0"/>
-              <a:cs typeface="Segoe UI" panose="020B0502040204020203" pitchFamily="34" charset="0"/>
-            </a:endParaRPr>
           </a:p>
           <a:p>
             <a:pPr marL="341630" marR="0" lvl="1" indent="-170180" algn="l" defTabSz="914400" rtl="0" eaLnBrk="1" fontAlgn="base" latinLnBrk="0" hangingPunct="1">
@@ -5655,19 +5619,6 @@
               </a:rPr>
               <a:t>Design and development of complex hardware</a:t>
             </a:r>
-            <a:endParaRPr kumimoji="0" lang="en-US" sz="1000" b="0" i="0" u="none" strike="noStrike" kern="1200" cap="none" spc="0" normalizeH="0" baseline="0" noProof="0" dirty="0" smtClean="0">
-              <a:ln>
-                <a:noFill/>
-              </a:ln>
-              <a:solidFill>
-                <a:schemeClr val="tx1"/>
-              </a:solidFill>
-              <a:effectLst/>
-              <a:uLnTx/>
-              <a:uFillTx/>
-              <a:latin typeface="Segoe UI" panose="020B0502040204020203" pitchFamily="34" charset="0"/>
-              <a:cs typeface="Segoe UI" panose="020B0502040204020203" pitchFamily="34" charset="0"/>
-            </a:endParaRPr>
           </a:p>
           <a:p>
             <a:pPr marL="341630" marR="0" lvl="1" indent="-170180" algn="l" defTabSz="914400" rtl="0" eaLnBrk="1" fontAlgn="base" latinLnBrk="0" hangingPunct="1">
@@ -5893,19 +5844,6 @@
               </a:rPr>
               <a:t>Click here to edit master text styles</a:t>
             </a:r>
-            <a:endParaRPr kumimoji="0" lang="en-US" sz="1050" b="0" i="0" u="none" strike="noStrike" kern="1200" cap="none" spc="0" normalizeH="0" baseline="0" noProof="0" dirty="0" smtClean="0">
-              <a:ln>
-                <a:noFill/>
-              </a:ln>
-              <a:solidFill>
-                <a:schemeClr val="tx1"/>
-              </a:solidFill>
-              <a:effectLst/>
-              <a:uLnTx/>
-              <a:uFillTx/>
-              <a:latin typeface="Segoe UI" panose="020B0502040204020203" pitchFamily="34" charset="0"/>
-              <a:cs typeface="Segoe UI" panose="020B0502040204020203" pitchFamily="34" charset="0"/>
-            </a:endParaRPr>
           </a:p>
           <a:p>
             <a:pPr marL="341630" marR="0" lvl="1" indent="-170180" algn="l" defTabSz="914400" rtl="0" eaLnBrk="1" fontAlgn="base" latinLnBrk="0" hangingPunct="1">
@@ -5942,19 +5880,6 @@
               </a:rPr>
               <a:t>Design and development of complex hardware</a:t>
             </a:r>
-            <a:endParaRPr kumimoji="0" lang="en-US" sz="1000" b="0" i="0" u="none" strike="noStrike" kern="1200" cap="none" spc="0" normalizeH="0" baseline="0" noProof="0" dirty="0" smtClean="0">
-              <a:ln>
-                <a:noFill/>
-              </a:ln>
-              <a:solidFill>
-                <a:schemeClr val="tx1"/>
-              </a:solidFill>
-              <a:effectLst/>
-              <a:uLnTx/>
-              <a:uFillTx/>
-              <a:latin typeface="Segoe UI" panose="020B0502040204020203" pitchFamily="34" charset="0"/>
-              <a:cs typeface="Segoe UI" panose="020B0502040204020203" pitchFamily="34" charset="0"/>
-            </a:endParaRPr>
           </a:p>
           <a:p>
             <a:pPr marL="341630" marR="0" lvl="1" indent="-170180" algn="l" defTabSz="914400" rtl="0" eaLnBrk="1" fontAlgn="base" latinLnBrk="0" hangingPunct="1">
@@ -6083,19 +6008,6 @@
               </a:rPr>
               <a:t>Click here to edit master text styles</a:t>
             </a:r>
-            <a:endParaRPr kumimoji="0" lang="en-US" sz="1050" b="0" i="0" u="none" strike="noStrike" kern="1200" cap="none" spc="0" normalizeH="0" baseline="0" noProof="0" dirty="0" smtClean="0">
-              <a:ln>
-                <a:noFill/>
-              </a:ln>
-              <a:solidFill>
-                <a:schemeClr val="tx1"/>
-              </a:solidFill>
-              <a:effectLst/>
-              <a:uLnTx/>
-              <a:uFillTx/>
-              <a:latin typeface="Segoe UI" panose="020B0502040204020203" pitchFamily="34" charset="0"/>
-              <a:cs typeface="Segoe UI" panose="020B0502040204020203" pitchFamily="34" charset="0"/>
-            </a:endParaRPr>
           </a:p>
           <a:p>
             <a:pPr marL="341630" marR="0" lvl="1" indent="-170180" defTabSz="914400" latinLnBrk="0">
@@ -6122,19 +6034,6 @@
               </a:rPr>
               <a:t>Design and development of complex hardware</a:t>
             </a:r>
-            <a:endParaRPr kumimoji="0" lang="en-US" sz="1000" b="0" i="0" u="none" strike="noStrike" kern="1200" cap="none" spc="0" normalizeH="0" baseline="0" noProof="0" dirty="0" smtClean="0">
-              <a:ln>
-                <a:noFill/>
-              </a:ln>
-              <a:solidFill>
-                <a:schemeClr val="tx1"/>
-              </a:solidFill>
-              <a:effectLst/>
-              <a:uLnTx/>
-              <a:uFillTx/>
-              <a:latin typeface="Segoe UI" panose="020B0502040204020203" pitchFamily="34" charset="0"/>
-              <a:cs typeface="Segoe UI" panose="020B0502040204020203" pitchFamily="34" charset="0"/>
-            </a:endParaRPr>
           </a:p>
           <a:p>
             <a:pPr marL="341630" marR="0" lvl="1" indent="-170180" defTabSz="914400" latinLnBrk="0">
@@ -6180,7 +6079,7 @@
 </file>
 
 <file path=ppt/slideLayouts/slideLayout12.xml><?xml version="1.0" encoding="utf-8"?>
-<p:sldLayout xmlns:a="http://schemas.openxmlformats.org/drawingml/2006/main" xmlns:r="http://schemas.openxmlformats.org/officeDocument/2006/relationships" xmlns:p="http://schemas.openxmlformats.org/presentationml/2006/main" preserve="1" showMasterSp="0">
+<p:sldLayout xmlns:a="http://schemas.openxmlformats.org/drawingml/2006/main" xmlns:r="http://schemas.openxmlformats.org/officeDocument/2006/relationships" xmlns:p="http://schemas.openxmlformats.org/presentationml/2006/main" showMasterSp="0" preserve="1">
   <p:cSld name="Blank with logo">
     <p:spTree>
       <p:nvGrpSpPr>
@@ -6411,6 +6310,7 @@
                 <a:latin typeface="Segoe UI Light" panose="020B0502040204020203" pitchFamily="34" charset="0"/>
                 <a:cs typeface="Segoe UI Light" panose="020B0502040204020203" pitchFamily="34" charset="0"/>
               </a:rPr>
+              <a:t>‹#›</a:t>
             </a:fld>
             <a:endParaRPr lang="en-IN" sz="1200" b="1">
               <a:solidFill>
@@ -6442,7 +6342,7 @@
 </file>
 
 <file path=ppt/slideLayouts/slideLayout13.xml><?xml version="1.0" encoding="utf-8"?>
-<p:sldLayout xmlns:a="http://schemas.openxmlformats.org/drawingml/2006/main" xmlns:r="http://schemas.openxmlformats.org/officeDocument/2006/relationships" xmlns:p="http://schemas.openxmlformats.org/presentationml/2006/main" preserve="1" showMasterSp="0">
+<p:sldLayout xmlns:a="http://schemas.openxmlformats.org/drawingml/2006/main" xmlns:r="http://schemas.openxmlformats.org/officeDocument/2006/relationships" xmlns:p="http://schemas.openxmlformats.org/presentationml/2006/main" showMasterSp="0" preserve="1">
   <p:cSld name="Blank without logo">
     <p:spTree>
       <p:nvGrpSpPr>
@@ -6619,6 +6519,7 @@
                 <a:latin typeface="Segoe UI Light" panose="020B0502040204020203" pitchFamily="34" charset="0"/>
                 <a:cs typeface="Segoe UI Light" panose="020B0502040204020203" pitchFamily="34" charset="0"/>
               </a:rPr>
+              <a:t>‹#›</a:t>
             </a:fld>
             <a:endParaRPr lang="en-IN" sz="1200" b="1">
               <a:solidFill>
@@ -6820,6 +6721,7 @@
                 <a:latin typeface="Segoe UI Light" panose="020B0502040204020203" pitchFamily="34" charset="0"/>
                 <a:cs typeface="Segoe UI Light" panose="020B0502040204020203" pitchFamily="34" charset="0"/>
               </a:rPr>
+              <a:t>‹#›</a:t>
             </a:fld>
             <a:endParaRPr lang="en-IN" sz="1200" b="1">
               <a:solidFill>
@@ -6900,7 +6802,6 @@
               <a:rPr lang="en-US" smtClean="0"/>
               <a:t>Click to edit Master text styles</a:t>
             </a:r>
-            <a:endParaRPr lang="en-US" smtClean="0"/>
           </a:p>
           <a:p>
             <a:pPr lvl="1"/>
@@ -6908,7 +6809,6 @@
               <a:rPr lang="en-US" smtClean="0"/>
               <a:t>Second level</a:t>
             </a:r>
-            <a:endParaRPr lang="en-US" smtClean="0"/>
           </a:p>
           <a:p>
             <a:pPr lvl="2"/>
@@ -6916,7 +6816,6 @@
               <a:rPr lang="en-US" smtClean="0"/>
               <a:t>Third level</a:t>
             </a:r>
-            <a:endParaRPr lang="en-US" smtClean="0"/>
           </a:p>
           <a:p>
             <a:pPr lvl="3"/>
@@ -6924,7 +6823,6 @@
               <a:rPr lang="en-US" smtClean="0"/>
               <a:t>Fourth level</a:t>
             </a:r>
-            <a:endParaRPr lang="en-US" smtClean="0"/>
           </a:p>
           <a:p>
             <a:pPr lvl="4"/>
@@ -7165,6 +7063,7 @@
                 <a:latin typeface="Segoe UI Light" panose="020B0502040204020203" pitchFamily="34" charset="0"/>
                 <a:cs typeface="Segoe UI Light" panose="020B0502040204020203" pitchFamily="34" charset="0"/>
               </a:rPr>
+              <a:t>‹#›</a:t>
             </a:fld>
             <a:endParaRPr lang="en-IN" sz="1200" b="1">
               <a:solidFill>
@@ -7492,7 +7391,6 @@
               <a:rPr lang="en-US" smtClean="0"/>
               <a:t>Click to edit Master text styles</a:t>
             </a:r>
-            <a:endParaRPr lang="en-US" smtClean="0"/>
           </a:p>
           <a:p>
             <a:pPr lvl="1"/>
@@ -7500,7 +7398,6 @@
               <a:rPr lang="en-US" smtClean="0"/>
               <a:t>Second level</a:t>
             </a:r>
-            <a:endParaRPr lang="en-US" smtClean="0"/>
           </a:p>
           <a:p>
             <a:pPr lvl="2"/>
@@ -7508,7 +7405,6 @@
               <a:rPr lang="en-US" smtClean="0"/>
               <a:t>Third level</a:t>
             </a:r>
-            <a:endParaRPr lang="en-US" smtClean="0"/>
           </a:p>
           <a:p>
             <a:pPr lvl="3"/>
@@ -7516,7 +7412,6 @@
               <a:rPr lang="en-US" smtClean="0"/>
               <a:t>Fourth level</a:t>
             </a:r>
-            <a:endParaRPr lang="en-US" smtClean="0"/>
           </a:p>
           <a:p>
             <a:pPr lvl="4"/>
@@ -7725,7 +7620,6 @@
               <a:rPr lang="en-US" smtClean="0"/>
               <a:t>Click to edit Master text styles</a:t>
             </a:r>
-            <a:endParaRPr lang="en-US" smtClean="0"/>
           </a:p>
           <a:p>
             <a:pPr lvl="1"/>
@@ -7733,7 +7627,6 @@
               <a:rPr lang="en-US" smtClean="0"/>
               <a:t>Second level</a:t>
             </a:r>
-            <a:endParaRPr lang="en-US" smtClean="0"/>
           </a:p>
           <a:p>
             <a:pPr lvl="2"/>
@@ -7741,7 +7634,6 @@
               <a:rPr lang="en-US" smtClean="0"/>
               <a:t>Third level</a:t>
             </a:r>
-            <a:endParaRPr lang="en-US" smtClean="0"/>
           </a:p>
           <a:p>
             <a:pPr lvl="3"/>
@@ -7749,7 +7641,6 @@
               <a:rPr lang="en-US" smtClean="0"/>
               <a:t>Fourth level</a:t>
             </a:r>
-            <a:endParaRPr lang="en-US" smtClean="0"/>
           </a:p>
           <a:p>
             <a:pPr lvl="4"/>
@@ -7958,7 +7849,6 @@
               <a:rPr lang="en-US" smtClean="0"/>
               <a:t>Click to edit Master text styles</a:t>
             </a:r>
-            <a:endParaRPr lang="en-US" smtClean="0"/>
           </a:p>
           <a:p>
             <a:pPr lvl="1"/>
@@ -7966,7 +7856,6 @@
               <a:rPr lang="en-US" smtClean="0"/>
               <a:t>Second level</a:t>
             </a:r>
-            <a:endParaRPr lang="en-US" smtClean="0"/>
           </a:p>
           <a:p>
             <a:pPr lvl="2"/>
@@ -7974,7 +7863,6 @@
               <a:rPr lang="en-US" smtClean="0"/>
               <a:t>Third level</a:t>
             </a:r>
-            <a:endParaRPr lang="en-US" smtClean="0"/>
           </a:p>
           <a:p>
             <a:pPr lvl="3"/>
@@ -7982,7 +7870,6 @@
               <a:rPr lang="en-US" smtClean="0"/>
               <a:t>Fourth level</a:t>
             </a:r>
-            <a:endParaRPr lang="en-US" smtClean="0"/>
           </a:p>
           <a:p>
             <a:pPr lvl="4"/>
@@ -9860,9 +9747,6 @@
               </a:rPr>
               <a:t>(edit) Outline &amp; detail the basic architecture of prototyped solution with the help of block diagrams, etc. if any</a:t>
             </a:r>
-            <a:endParaRPr lang="en-US" dirty="0" smtClean="0">
-              <a:cs typeface="Arial" panose="02080604020202020204" charset="0"/>
-            </a:endParaRPr>
           </a:p>
           <a:p>
             <a:pPr lvl="2"/>
@@ -9891,7 +9775,7 @@
 </file>
 
 <file path=ppt/slideLayouts/slideLayout2.xml><?xml version="1.0" encoding="utf-8"?>
-<p:sldLayout xmlns:a="http://schemas.openxmlformats.org/drawingml/2006/main" xmlns:r="http://schemas.openxmlformats.org/officeDocument/2006/relationships" xmlns:p="http://schemas.openxmlformats.org/presentationml/2006/main" preserve="1" showMasterSp="0" userDrawn="1">
+<p:sldLayout xmlns:a="http://schemas.openxmlformats.org/drawingml/2006/main" xmlns:r="http://schemas.openxmlformats.org/officeDocument/2006/relationships" xmlns:p="http://schemas.openxmlformats.org/presentationml/2006/main" showMasterSp="0" preserve="1" userDrawn="1">
   <p:cSld name="Cover Slide - Generic">
     <p:spTree>
       <p:nvGrpSpPr>
@@ -10823,6 +10707,7 @@
                 <a:latin typeface="Segoe UI Light" panose="020B0502040204020203" pitchFamily="34" charset="0"/>
                 <a:cs typeface="Segoe UI Light" panose="020B0502040204020203" pitchFamily="34" charset="0"/>
               </a:rPr>
+              <a:t>‹#›</a:t>
             </a:fld>
             <a:endParaRPr lang="en-IN" sz="1200" b="1">
               <a:solidFill>
@@ -11211,9 +11096,6 @@
               </a:rPr>
               <a:t>(edit) Add technologies used and rationale for selecting so</a:t>
             </a:r>
-            <a:endParaRPr lang="en-US" dirty="0" smtClean="0">
-              <a:cs typeface="Arial" panose="02080604020202020204" charset="0"/>
-            </a:endParaRPr>
           </a:p>
           <a:p>
             <a:pPr lvl="2"/>
@@ -11382,7 +11264,6 @@
               <a:rPr lang="en-US" smtClean="0"/>
               <a:t>Click to edit Master text styles</a:t>
             </a:r>
-            <a:endParaRPr lang="en-US" smtClean="0"/>
           </a:p>
           <a:p>
             <a:pPr lvl="1"/>
@@ -11390,7 +11271,6 @@
               <a:rPr lang="en-US" smtClean="0"/>
               <a:t>Second level</a:t>
             </a:r>
-            <a:endParaRPr lang="en-US" smtClean="0"/>
           </a:p>
           <a:p>
             <a:pPr lvl="2"/>
@@ -11398,7 +11278,6 @@
               <a:rPr lang="en-US" smtClean="0"/>
               <a:t>Third level</a:t>
             </a:r>
-            <a:endParaRPr lang="en-US" smtClean="0"/>
           </a:p>
           <a:p>
             <a:pPr lvl="3"/>
@@ -11406,7 +11285,6 @@
               <a:rPr lang="en-US" smtClean="0"/>
               <a:t>Fourth level</a:t>
             </a:r>
-            <a:endParaRPr lang="en-US" smtClean="0"/>
           </a:p>
           <a:p>
             <a:pPr lvl="4"/>
@@ -11542,7 +11420,6 @@
               <a:rPr lang="en-US" smtClean="0"/>
               <a:t>Click to edit Master text styles</a:t>
             </a:r>
-            <a:endParaRPr lang="en-US" smtClean="0"/>
           </a:p>
           <a:p>
             <a:pPr lvl="1"/>
@@ -11550,7 +11427,6 @@
               <a:rPr lang="en-US" smtClean="0"/>
               <a:t>Second level</a:t>
             </a:r>
-            <a:endParaRPr lang="en-US" smtClean="0"/>
           </a:p>
           <a:p>
             <a:pPr lvl="2"/>
@@ -11558,7 +11434,6 @@
               <a:rPr lang="en-US" smtClean="0"/>
               <a:t>Third level</a:t>
             </a:r>
-            <a:endParaRPr lang="en-US" smtClean="0"/>
           </a:p>
           <a:p>
             <a:pPr lvl="3"/>
@@ -11566,7 +11441,6 @@
               <a:rPr lang="en-US" smtClean="0"/>
               <a:t>Fourth level</a:t>
             </a:r>
-            <a:endParaRPr lang="en-US" smtClean="0"/>
           </a:p>
           <a:p>
             <a:pPr lvl="4"/>
@@ -11920,7 +11794,7 @@
 </file>
 
 <file path=ppt/slideLayouts/slideLayout3.xml><?xml version="1.0" encoding="utf-8"?>
-<p:sldLayout xmlns:a="http://schemas.openxmlformats.org/drawingml/2006/main" xmlns:r="http://schemas.openxmlformats.org/officeDocument/2006/relationships" xmlns:p="http://schemas.openxmlformats.org/presentationml/2006/main" preserve="1" showMasterSp="0">
+<p:sldLayout xmlns:a="http://schemas.openxmlformats.org/drawingml/2006/main" xmlns:r="http://schemas.openxmlformats.org/officeDocument/2006/relationships" xmlns:p="http://schemas.openxmlformats.org/presentationml/2006/main" showMasterSp="0" preserve="1">
   <p:cSld name="Sub-section ">
     <p:spTree>
       <p:nvGrpSpPr>
@@ -12677,6 +12551,7 @@
                 <a:latin typeface="Segoe UI Light" panose="020B0502040204020203" pitchFamily="34" charset="0"/>
                 <a:cs typeface="Segoe UI Light" panose="020B0502040204020203" pitchFamily="34" charset="0"/>
               </a:rPr>
+              <a:t>‹#›</a:t>
             </a:fld>
             <a:endParaRPr lang="en-IN" sz="1200" b="1">
               <a:solidFill>
@@ -13049,6 +12924,7 @@
                 <a:latin typeface="Segoe UI Light" panose="020B0502040204020203" pitchFamily="34" charset="0"/>
                 <a:cs typeface="Segoe UI Light" panose="020B0502040204020203" pitchFamily="34" charset="0"/>
               </a:rPr>
+              <a:t>‹#›</a:t>
             </a:fld>
             <a:endParaRPr lang="en-IN" sz="1200" b="1">
               <a:solidFill>
@@ -13269,6 +13145,7 @@
                 <a:latin typeface="Segoe UI Light" panose="020B0502040204020203" pitchFamily="34" charset="0"/>
                 <a:cs typeface="Segoe UI Light" panose="020B0502040204020203" pitchFamily="34" charset="0"/>
               </a:rPr>
+              <a:t>‹#›</a:t>
             </a:fld>
             <a:endParaRPr lang="en-IN" sz="1200" b="1">
               <a:solidFill>
@@ -13447,7 +13324,6 @@
               <a:rPr lang="en-US" smtClean="0"/>
               <a:t>Click to edit Master text styles</a:t>
             </a:r>
-            <a:endParaRPr lang="en-US" smtClean="0"/>
           </a:p>
           <a:p>
             <a:pPr lvl="1"/>
@@ -13455,7 +13331,6 @@
               <a:rPr lang="en-US" smtClean="0"/>
               <a:t>Second level</a:t>
             </a:r>
-            <a:endParaRPr lang="en-US" smtClean="0"/>
           </a:p>
           <a:p>
             <a:pPr lvl="2"/>
@@ -13463,7 +13338,6 @@
               <a:rPr lang="en-US" smtClean="0"/>
               <a:t>Third level</a:t>
             </a:r>
-            <a:endParaRPr lang="en-US" smtClean="0"/>
           </a:p>
           <a:p>
             <a:pPr lvl="3"/>
@@ -13471,7 +13345,6 @@
               <a:rPr lang="en-US" smtClean="0"/>
               <a:t>Fourth level</a:t>
             </a:r>
-            <a:endParaRPr lang="en-US" smtClean="0"/>
           </a:p>
           <a:p>
             <a:pPr lvl="4"/>
@@ -13710,6 +13583,7 @@
                 <a:latin typeface="Segoe UI Light" panose="020B0502040204020203" pitchFamily="34" charset="0"/>
                 <a:cs typeface="Segoe UI Light" panose="020B0502040204020203" pitchFamily="34" charset="0"/>
               </a:rPr>
+              <a:t>‹#›</a:t>
             </a:fld>
             <a:endParaRPr lang="en-IN" sz="1200" b="1">
               <a:solidFill>
@@ -13882,6 +13756,7 @@
                 <a:latin typeface="Segoe UI Light" panose="020B0502040204020203" pitchFamily="34" charset="0"/>
                 <a:cs typeface="Segoe UI Light" panose="020B0502040204020203" pitchFamily="34" charset="0"/>
               </a:rPr>
+              <a:t>‹#›</a:t>
             </a:fld>
             <a:endParaRPr lang="en-IN" sz="1200" b="1">
               <a:solidFill>
@@ -13979,7 +13854,6 @@
               <a:rPr lang="en-US" smtClean="0"/>
               <a:t>Click to edit Master text styles</a:t>
             </a:r>
-            <a:endParaRPr lang="en-US" smtClean="0"/>
           </a:p>
           <a:p>
             <a:pPr lvl="1"/>
@@ -13987,7 +13861,6 @@
               <a:rPr lang="en-US" smtClean="0"/>
               <a:t>Second level</a:t>
             </a:r>
-            <a:endParaRPr lang="en-US" smtClean="0"/>
           </a:p>
           <a:p>
             <a:pPr lvl="2"/>
@@ -13995,7 +13868,6 @@
               <a:rPr lang="en-US" smtClean="0"/>
               <a:t>Third level</a:t>
             </a:r>
-            <a:endParaRPr lang="en-US" smtClean="0"/>
           </a:p>
           <a:p>
             <a:pPr lvl="3"/>
@@ -14003,7 +13875,6 @@
               <a:rPr lang="en-US" smtClean="0"/>
               <a:t>Fourth level</a:t>
             </a:r>
-            <a:endParaRPr lang="en-US" smtClean="0"/>
           </a:p>
           <a:p>
             <a:pPr lvl="4"/>
@@ -14242,6 +14113,7 @@
                 <a:latin typeface="Segoe UI Light" panose="020B0502040204020203" pitchFamily="34" charset="0"/>
                 <a:cs typeface="Segoe UI Light" panose="020B0502040204020203" pitchFamily="34" charset="0"/>
               </a:rPr>
+              <a:t>‹#›</a:t>
             </a:fld>
             <a:endParaRPr lang="en-IN" sz="1200" b="1">
               <a:solidFill>
@@ -14462,6 +14334,7 @@
                 <a:latin typeface="Segoe UI Light" panose="020B0502040204020203" pitchFamily="34" charset="0"/>
                 <a:cs typeface="Segoe UI Light" panose="020B0502040204020203" pitchFamily="34" charset="0"/>
               </a:rPr>
+              <a:t>‹#›</a:t>
             </a:fld>
             <a:endParaRPr lang="en-IN" sz="1200" b="1">
               <a:solidFill>
@@ -14605,7 +14478,6 @@
               <a:rPr lang="en-US" smtClean="0"/>
               <a:t>Click to edit Master text styles</a:t>
             </a:r>
-            <a:endParaRPr lang="en-US" smtClean="0"/>
           </a:p>
           <a:p>
             <a:pPr lvl="1"/>
@@ -14613,7 +14485,6 @@
               <a:rPr lang="en-US" smtClean="0"/>
               <a:t>Second level</a:t>
             </a:r>
-            <a:endParaRPr lang="en-US" smtClean="0"/>
           </a:p>
           <a:p>
             <a:pPr lvl="2"/>
@@ -14621,7 +14492,6 @@
               <a:rPr lang="en-US" smtClean="0"/>
               <a:t>Third level</a:t>
             </a:r>
-            <a:endParaRPr lang="en-US" smtClean="0"/>
           </a:p>
           <a:p>
             <a:pPr lvl="3"/>
@@ -14629,7 +14499,6 @@
               <a:rPr lang="en-US" smtClean="0"/>
               <a:t>Fourth level</a:t>
             </a:r>
-            <a:endParaRPr lang="en-US" smtClean="0"/>
           </a:p>
           <a:p>
             <a:pPr lvl="4"/>
@@ -14868,6 +14737,7 @@
                 <a:latin typeface="Segoe UI Light" panose="020B0502040204020203" pitchFamily="34" charset="0"/>
                 <a:cs typeface="Segoe UI Light" panose="020B0502040204020203" pitchFamily="34" charset="0"/>
               </a:rPr>
+              <a:t>‹#›</a:t>
             </a:fld>
             <a:endParaRPr lang="en-IN" sz="1200" b="1">
               <a:solidFill>
@@ -15040,6 +14910,7 @@
                 <a:latin typeface="Segoe UI Light" panose="020B0502040204020203" pitchFamily="34" charset="0"/>
                 <a:cs typeface="Segoe UI Light" panose="020B0502040204020203" pitchFamily="34" charset="0"/>
               </a:rPr>
+              <a:t>‹#›</a:t>
             </a:fld>
             <a:endParaRPr lang="en-IN" sz="1200" b="1">
               <a:solidFill>
@@ -15097,7 +14968,6 @@
               <a:rPr lang="en-US" smtClean="0"/>
               <a:t>Click to edit Master text styles</a:t>
             </a:r>
-            <a:endParaRPr lang="en-US" smtClean="0"/>
           </a:p>
           <a:p>
             <a:pPr lvl="1"/>
@@ -15105,7 +14975,6 @@
               <a:rPr lang="en-US" smtClean="0"/>
               <a:t>Second level</a:t>
             </a:r>
-            <a:endParaRPr lang="en-US" smtClean="0"/>
           </a:p>
           <a:p>
             <a:pPr lvl="2"/>
@@ -15113,7 +14982,6 @@
               <a:rPr lang="en-US" smtClean="0"/>
               <a:t>Third level</a:t>
             </a:r>
-            <a:endParaRPr lang="en-US" smtClean="0"/>
           </a:p>
           <a:p>
             <a:pPr lvl="3"/>
@@ -15121,7 +14989,6 @@
               <a:rPr lang="en-US" smtClean="0"/>
               <a:t>Fourth level</a:t>
             </a:r>
-            <a:endParaRPr lang="en-US" smtClean="0"/>
           </a:p>
           <a:p>
             <a:pPr lvl="4"/>
@@ -15456,6 +15323,7 @@
                 <a:latin typeface="Segoe UI Light" panose="020B0502040204020203" pitchFamily="34" charset="0"/>
                 <a:cs typeface="Segoe UI Light" panose="020B0502040204020203" pitchFamily="34" charset="0"/>
               </a:rPr>
+              <a:t>‹#›</a:t>
             </a:fld>
             <a:endParaRPr lang="en-IN" sz="1200" b="1">
               <a:solidFill>
@@ -15551,7 +15419,6 @@
               <a:rPr lang="en-US" smtClean="0"/>
               <a:t>Click to edit Master text styles</a:t>
             </a:r>
-            <a:endParaRPr lang="en-US" smtClean="0"/>
           </a:p>
           <a:p>
             <a:pPr lvl="1"/>
@@ -15559,7 +15426,6 @@
               <a:rPr lang="en-US" smtClean="0"/>
               <a:t>Second level</a:t>
             </a:r>
-            <a:endParaRPr lang="en-US" smtClean="0"/>
           </a:p>
           <a:p>
             <a:pPr lvl="2"/>
@@ -15567,7 +15433,6 @@
               <a:rPr lang="en-US" smtClean="0"/>
               <a:t>Third level</a:t>
             </a:r>
-            <a:endParaRPr lang="en-US" smtClean="0"/>
           </a:p>
           <a:p>
             <a:pPr lvl="3"/>
@@ -15575,7 +15440,6 @@
               <a:rPr lang="en-US" smtClean="0"/>
               <a:t>Fourth level</a:t>
             </a:r>
-            <a:endParaRPr lang="en-US" smtClean="0"/>
           </a:p>
           <a:p>
             <a:pPr lvl="4"/>
@@ -15633,7 +15497,6 @@
               <a:rPr lang="en-US" smtClean="0"/>
               <a:t>Click to edit Master text styles</a:t>
             </a:r>
-            <a:endParaRPr lang="en-US" smtClean="0"/>
           </a:p>
           <a:p>
             <a:pPr lvl="1"/>
@@ -15641,7 +15504,6 @@
               <a:rPr lang="en-US" smtClean="0"/>
               <a:t>Second level</a:t>
             </a:r>
-            <a:endParaRPr lang="en-US" smtClean="0"/>
           </a:p>
           <a:p>
             <a:pPr lvl="2"/>
@@ -15649,7 +15511,6 @@
               <a:rPr lang="en-US" smtClean="0"/>
               <a:t>Third level</a:t>
             </a:r>
-            <a:endParaRPr lang="en-US" smtClean="0"/>
           </a:p>
           <a:p>
             <a:pPr lvl="3"/>
@@ -15657,7 +15518,6 @@
               <a:rPr lang="en-US" smtClean="0"/>
               <a:t>Fourth level</a:t>
             </a:r>
-            <a:endParaRPr lang="en-US" smtClean="0"/>
           </a:p>
           <a:p>
             <a:pPr lvl="4"/>
@@ -15896,6 +15756,7 @@
                 <a:latin typeface="Segoe UI Light" panose="020B0502040204020203" pitchFamily="34" charset="0"/>
                 <a:cs typeface="Segoe UI Light" panose="020B0502040204020203" pitchFamily="34" charset="0"/>
               </a:rPr>
+              <a:t>‹#›</a:t>
             </a:fld>
             <a:endParaRPr lang="en-IN" sz="1200" b="1">
               <a:solidFill>
@@ -15953,7 +15814,6 @@
               <a:rPr lang="en-US" smtClean="0"/>
               <a:t>Click to edit Master text styles</a:t>
             </a:r>
-            <a:endParaRPr lang="en-US" smtClean="0"/>
           </a:p>
           <a:p>
             <a:pPr lvl="1"/>
@@ -15961,7 +15821,6 @@
               <a:rPr lang="en-US" smtClean="0"/>
               <a:t>Second level</a:t>
             </a:r>
-            <a:endParaRPr lang="en-US" smtClean="0"/>
           </a:p>
           <a:p>
             <a:pPr lvl="2"/>
@@ -15969,7 +15828,6 @@
               <a:rPr lang="en-US" smtClean="0"/>
               <a:t>Third level</a:t>
             </a:r>
-            <a:endParaRPr lang="en-US" smtClean="0"/>
           </a:p>
           <a:p>
             <a:pPr lvl="3"/>
@@ -15977,7 +15835,6 @@
               <a:rPr lang="en-US" smtClean="0"/>
               <a:t>Fourth level</a:t>
             </a:r>
-            <a:endParaRPr lang="en-US" smtClean="0"/>
           </a:p>
           <a:p>
             <a:pPr lvl="4"/>
@@ -16035,7 +15892,6 @@
               <a:rPr lang="en-US" smtClean="0"/>
               <a:t>Click to edit Master text styles</a:t>
             </a:r>
-            <a:endParaRPr lang="en-US" smtClean="0"/>
           </a:p>
           <a:p>
             <a:pPr lvl="1"/>
@@ -16043,7 +15899,6 @@
               <a:rPr lang="en-US" smtClean="0"/>
               <a:t>Second level</a:t>
             </a:r>
-            <a:endParaRPr lang="en-US" smtClean="0"/>
           </a:p>
           <a:p>
             <a:pPr lvl="2"/>
@@ -16051,7 +15906,6 @@
               <a:rPr lang="en-US" smtClean="0"/>
               <a:t>Third level</a:t>
             </a:r>
-            <a:endParaRPr lang="en-US" smtClean="0"/>
           </a:p>
           <a:p>
             <a:pPr lvl="3"/>
@@ -16059,7 +15913,6 @@
               <a:rPr lang="en-US" smtClean="0"/>
               <a:t>Fourth level</a:t>
             </a:r>
-            <a:endParaRPr lang="en-US" smtClean="0"/>
           </a:p>
           <a:p>
             <a:pPr lvl="4"/>
@@ -16193,7 +16046,6 @@
               <a:rPr lang="en-US" smtClean="0"/>
               <a:t>Edit Master text styles</a:t>
             </a:r>
-            <a:endParaRPr lang="en-US" smtClean="0"/>
           </a:p>
           <a:p>
             <a:pPr lvl="1"/>
@@ -16201,7 +16053,6 @@
               <a:rPr lang="en-US" smtClean="0"/>
               <a:t>Second level</a:t>
             </a:r>
-            <a:endParaRPr lang="en-US" smtClean="0"/>
           </a:p>
           <a:p>
             <a:pPr lvl="2"/>
@@ -16209,7 +16060,6 @@
               <a:rPr lang="en-US" smtClean="0"/>
               <a:t>Third level</a:t>
             </a:r>
-            <a:endParaRPr lang="en-US" smtClean="0"/>
           </a:p>
           <a:p>
             <a:pPr lvl="3"/>
@@ -16217,7 +16067,6 @@
               <a:rPr lang="en-US" smtClean="0"/>
               <a:t>Fourth level</a:t>
             </a:r>
-            <a:endParaRPr lang="en-US" smtClean="0"/>
           </a:p>
           <a:p>
             <a:pPr lvl="4"/>
@@ -16686,7 +16535,7 @@
           <p:nvPr/>
         </p:nvPicPr>
         <p:blipFill>
-          <a:blip r:embed="rId23">
+          <a:blip r:embed="rId24">
             <a:extLst>
               <a:ext uri="{28A0092B-C50C-407E-A947-70E740481C1C}">
                 <a14:useLocalDpi xmlns:a14="http://schemas.microsoft.com/office/drawing/2010/main" val="0"/>
@@ -17209,6 +17058,7 @@
                 <a:latin typeface="Segoe UI Light" panose="020B0502040204020203" pitchFamily="34" charset="0"/>
                 <a:cs typeface="Segoe UI Light" panose="020B0502040204020203" pitchFamily="34" charset="0"/>
               </a:rPr>
+              <a:t>‹#›</a:t>
             </a:fld>
             <a:endParaRPr lang="en-IN" sz="1200" b="1">
               <a:solidFill>
@@ -17700,7 +17550,6 @@
               <a:rPr lang="x-none" altLang="en-IN" dirty="0"/>
               <a:t>Internet Radio Streaming Application using MediaBrowserServiceCompat</a:t>
             </a:r>
-            <a:endParaRPr lang="x-none" altLang="en-IN" dirty="0"/>
           </a:p>
         </p:txBody>
       </p:sp>
@@ -17723,7 +17572,6 @@
               <a:rPr lang="x-none" altLang="en-IN" dirty="0"/>
               <a:t>Android Masterminds</a:t>
             </a:r>
-            <a:endParaRPr lang="x-none" altLang="en-IN" dirty="0"/>
           </a:p>
         </p:txBody>
       </p:sp>
@@ -17892,7 +17740,6 @@
               <a:rPr lang="en-US" dirty="0"/>
               <a:t>Application for streaming Internet Radio using android media browser compat</a:t>
             </a:r>
-            <a:endParaRPr lang="en-US" dirty="0"/>
           </a:p>
         </p:txBody>
       </p:sp>
@@ -17915,7 +17762,6 @@
               <a:rPr lang="x-none" altLang="en-US" dirty="0"/>
               <a:t>Android Masterminds</a:t>
             </a:r>
-            <a:endParaRPr lang="x-none" altLang="en-US" dirty="0"/>
           </a:p>
         </p:txBody>
       </p:sp>
@@ -18106,17 +17952,6 @@
                         </a:rPr>
                         <a:t>Vineesh C</a:t>
                       </a:r>
-                      <a:endParaRPr lang="x-none" altLang="en-US" sz="1600" b="0" kern="1200" baseline="0" dirty="0" smtClean="0">
-                        <a:solidFill>
-                          <a:schemeClr val="tx1">
-                            <a:lumMod val="75000"/>
-                            <a:lumOff val="25000"/>
-                          </a:schemeClr>
-                        </a:solidFill>
-                        <a:latin typeface="PF DinText Pro" panose="02000506020000020004" pitchFamily="2" charset="0"/>
-                        <a:ea typeface="+mn-ea"/>
-                        <a:cs typeface="+mn-cs"/>
-                      </a:endParaRPr>
                     </a:p>
                   </a:txBody>
                   <a:tcPr>
@@ -18303,17 +18138,6 @@
                         </a:rPr>
                         <a:t>Praveen P G</a:t>
                       </a:r>
-                      <a:endParaRPr lang="x-none" altLang="en-US" sz="1600" b="0" kern="1200" baseline="0" dirty="0">
-                        <a:solidFill>
-                          <a:schemeClr val="tx1">
-                            <a:lumMod val="75000"/>
-                            <a:lumOff val="25000"/>
-                          </a:schemeClr>
-                        </a:solidFill>
-                        <a:latin typeface="PF DinText Pro" panose="02000506020000020004" pitchFamily="2" charset="0"/>
-                        <a:ea typeface="+mn-ea"/>
-                        <a:cs typeface="+mn-cs"/>
-                      </a:endParaRPr>
                     </a:p>
                   </a:txBody>
                   <a:tcPr>
@@ -18366,7 +18190,7 @@
         </p:nvGraphicFramePr>
         <p:xfrm>
           <a:off x="6962115" y="4651529"/>
-          <a:ext cx="4544840" cy="741680"/>
+          <a:ext cx="4544840" cy="949960"/>
         </p:xfrm>
         <a:graphic>
           <a:graphicData uri="http://schemas.openxmlformats.org/drawingml/2006/table">
@@ -18512,17 +18336,6 @@
                         </a:rPr>
                         <a:t>Praveen P G</a:t>
                       </a:r>
-                      <a:endParaRPr lang="x-none" altLang="en-US" sz="1600" b="0" kern="1200" baseline="0" dirty="0" smtClean="0">
-                        <a:solidFill>
-                          <a:schemeClr val="tx1">
-                            <a:lumMod val="75000"/>
-                            <a:lumOff val="25000"/>
-                          </a:schemeClr>
-                        </a:solidFill>
-                        <a:latin typeface="PF DinText Pro" panose="02000506020000020004" pitchFamily="2" charset="0"/>
-                        <a:ea typeface="+mn-ea"/>
-                        <a:cs typeface="+mn-cs"/>
-                      </a:endParaRPr>
                     </a:p>
                   </a:txBody>
                   <a:tcPr>
@@ -18664,17 +18477,6 @@
                         </a:rPr>
                         <a:t>Anu Nair, Rajan Peter</a:t>
                       </a:r>
-                      <a:endParaRPr lang="x-none" altLang="en-US" sz="1600" b="0" kern="1200" baseline="0" dirty="0">
-                        <a:solidFill>
-                          <a:schemeClr val="tx1">
-                            <a:lumMod val="75000"/>
-                            <a:lumOff val="25000"/>
-                          </a:schemeClr>
-                        </a:solidFill>
-                        <a:latin typeface="PF DinText Pro" panose="02000506020000020004" pitchFamily="2" charset="0"/>
-                        <a:ea typeface="+mn-ea"/>
-                        <a:cs typeface="+mn-cs"/>
-                      </a:endParaRPr>
                     </a:p>
                     <a:p>
                       <a:r>
@@ -18691,17 +18493,6 @@
                         </a:rPr>
                         <a:t>Pooja Hari</a:t>
                       </a:r>
-                      <a:endParaRPr lang="x-none" altLang="en-US" sz="1600" b="0" kern="1200" baseline="0" dirty="0">
-                        <a:solidFill>
-                          <a:schemeClr val="tx1">
-                            <a:lumMod val="75000"/>
-                            <a:lumOff val="25000"/>
-                          </a:schemeClr>
-                        </a:solidFill>
-                        <a:latin typeface="PF DinText Pro" panose="02000506020000020004" pitchFamily="2" charset="0"/>
-                        <a:ea typeface="+mn-ea"/>
-                        <a:cs typeface="+mn-cs"/>
-                      </a:endParaRPr>
                     </a:p>
                   </a:txBody>
                   <a:tcPr>
@@ -18813,19 +18604,24 @@
             </a:pPr>
             <a:r>
               <a:rPr lang="x-none" altLang="en-US" dirty="0"/>
-              <a:t>Develop an internet radio streaming application using android framework component</a:t>
-            </a:r>
-            <a:endParaRPr lang="x-none" altLang="en-US" dirty="0"/>
-          </a:p>
-          <a:p>
-            <a:pPr marL="0" indent="0">
-              <a:buNone/>
-            </a:pPr>
+              <a:t>Develop an internet radio streaming application using android framework </a:t>
+            </a:r>
+            <a:r>
+              <a:rPr lang="x-none" altLang="en-US" dirty="0" smtClean="0"/>
+              <a:t>component</a:t>
+            </a:r>
+            <a:r>
+              <a:rPr lang="en-US" altLang="en-US" dirty="0" smtClean="0"/>
+              <a:t> </a:t>
+            </a:r>
+            <a:r>
+              <a:rPr lang="x-none" altLang="en-US" dirty="0" smtClean="0"/>
+              <a:t>MediaBrowserServiceCompat </a:t>
+            </a:r>
             <a:r>
               <a:rPr lang="x-none" altLang="en-US" dirty="0"/>
-              <a:t>MediaBrowserServiceCompat with following functionality,</a:t>
-            </a:r>
-            <a:endParaRPr lang="x-none" altLang="en-US" dirty="0"/>
+              <a:t>with following functionality,</a:t>
+            </a:r>
           </a:p>
           <a:p>
             <a:pPr marL="285750" indent="-285750"/>
@@ -18833,7 +18629,6 @@
               <a:rPr lang="x-none" altLang="en-US" dirty="0"/>
               <a:t>Connect/Disconnect to internet radio sources.</a:t>
             </a:r>
-            <a:endParaRPr lang="x-none" altLang="en-US" dirty="0"/>
           </a:p>
           <a:p>
             <a:pPr marL="285750" indent="-285750"/>
@@ -18841,7 +18636,6 @@
               <a:rPr lang="x-none" altLang="en-US" dirty="0"/>
               <a:t>Features to controls the audio stream (play/pause/next/previous)</a:t>
             </a:r>
-            <a:endParaRPr lang="x-none" altLang="en-US" dirty="0"/>
           </a:p>
           <a:p>
             <a:pPr marL="285750" indent="-285750"/>
@@ -18849,7 +18643,6 @@
               <a:rPr lang="x-none" altLang="en-US" dirty="0"/>
               <a:t>Metadata information update.</a:t>
             </a:r>
-            <a:endParaRPr lang="x-none" altLang="en-US" dirty="0"/>
           </a:p>
           <a:p>
             <a:pPr marL="285750" indent="-285750"/>
@@ -18857,7 +18650,6 @@
               <a:rPr lang="x-none" altLang="en-US" dirty="0"/>
               <a:t>Browse for metadata categories.</a:t>
             </a:r>
-            <a:endParaRPr lang="x-none" altLang="en-US" dirty="0"/>
           </a:p>
           <a:p>
             <a:pPr marL="0" indent="0">
@@ -18892,7 +18684,39 @@
             </a:pPr>
             <a:r>
               <a:rPr lang="x-none" altLang="en-US" dirty="0"/>
-              <a:t>Develop an audio streaming application with minimum dependency between hmi and service side. MediaBrowserServiceCompat functions like a client-server model. So the whole application will includes three major parts,</a:t>
+              <a:t>Develop an audio streaming application with minimum dependency between hmi and service side. MediaBrowserServiceCompat functions like a client-server model. So the whole application will </a:t>
+            </a:r>
+            <a:r>
+              <a:rPr lang="en-US" altLang="en-US" dirty="0" smtClean="0"/>
+              <a:t>have </a:t>
+            </a:r>
+            <a:r>
+              <a:rPr lang="x-none" altLang="en-US" dirty="0" smtClean="0"/>
+              <a:t>three </a:t>
+            </a:r>
+            <a:r>
+              <a:rPr lang="x-none" altLang="en-US" dirty="0"/>
+              <a:t>major </a:t>
+            </a:r>
+            <a:r>
+              <a:rPr lang="x-none" altLang="en-US" dirty="0" smtClean="0"/>
+              <a:t>parts</a:t>
+            </a:r>
+            <a:r>
+              <a:rPr lang="en-US" altLang="en-US" dirty="0"/>
+              <a:t> </a:t>
+            </a:r>
+            <a:r>
+              <a:rPr lang="en-US" altLang="en-US" dirty="0" err="1" smtClean="0"/>
+              <a:t>hmi</a:t>
+            </a:r>
+            <a:r>
+              <a:rPr lang="en-US" altLang="en-US" dirty="0" smtClean="0"/>
+              <a:t>, client and service</a:t>
+            </a:r>
+            <a:r>
+              <a:rPr lang="x-none" altLang="en-US" dirty="0" smtClean="0"/>
+              <a:t>,</a:t>
             </a:r>
             <a:endParaRPr lang="x-none" altLang="en-US" dirty="0"/>
           </a:p>
@@ -18902,7 +18726,6 @@
               <a:rPr lang="x-none" altLang="en-US" dirty="0"/>
               <a:t>An independent HMI application.</a:t>
             </a:r>
-            <a:endParaRPr lang="x-none" altLang="en-US" dirty="0"/>
           </a:p>
           <a:p>
             <a:pPr marL="285750" indent="-285750"/>
@@ -18910,7 +18733,6 @@
               <a:rPr lang="x-none" altLang="en-US" dirty="0"/>
               <a:t>The client side (interface between HMI and service)</a:t>
             </a:r>
-            <a:endParaRPr lang="x-none" altLang="en-US" dirty="0"/>
           </a:p>
           <a:p>
             <a:pPr marL="285750" indent="-285750"/>
@@ -18918,7 +18740,6 @@
               <a:rPr lang="x-none" altLang="en-US" dirty="0"/>
               <a:t>The server side</a:t>
             </a:r>
-            <a:endParaRPr lang="x-none" altLang="en-US" dirty="0"/>
           </a:p>
         </p:txBody>
       </p:sp>
@@ -18949,7 +18770,6 @@
               <a:rPr lang="x-none" altLang="en-US" dirty="0"/>
               <a:t>It will be a stand alone internet radio streaming application with three APKs</a:t>
             </a:r>
-            <a:endParaRPr lang="x-none" altLang="en-US" dirty="0"/>
           </a:p>
           <a:p>
             <a:pPr marL="285750" indent="-285750"/>
@@ -18957,7 +18777,6 @@
               <a:rPr lang="x-none" altLang="en-US" dirty="0"/>
               <a:t>InternetRadio-2.5.0-debug.apk</a:t>
             </a:r>
-            <a:endParaRPr lang="x-none" altLang="en-US" dirty="0"/>
           </a:p>
           <a:p>
             <a:pPr marL="285750" indent="-285750"/>
@@ -18965,7 +18784,6 @@
               <a:rPr lang="x-none" altLang="en-US" dirty="0"/>
               <a:t>InternetRadioClient-1.5.0-debug.apk</a:t>
             </a:r>
-            <a:endParaRPr lang="x-none" altLang="en-US" dirty="0"/>
           </a:p>
           <a:p>
             <a:pPr marL="285750" indent="-285750"/>
@@ -18973,7 +18791,6 @@
               <a:rPr lang="x-none" altLang="en-US" dirty="0"/>
               <a:t>InternetRadioPlayerService-1.5.0-debug.apk</a:t>
             </a:r>
-            <a:endParaRPr lang="x-none" altLang="en-US" dirty="0"/>
           </a:p>
           <a:p>
             <a:pPr marL="0" indent="0">
@@ -18983,7 +18800,6 @@
               <a:rPr lang="x-none" altLang="en-US" dirty="0"/>
               <a:t>And the application will support all basic playback control and browse featurtes.</a:t>
             </a:r>
-            <a:endParaRPr lang="x-none" altLang="en-US" dirty="0"/>
           </a:p>
           <a:p>
             <a:pPr marL="0" indent="0">
@@ -19121,28 +18937,31 @@
       </p:sp>
       <p:pic>
         <p:nvPicPr>
-          <p:cNvPr id="5" name="Content Placeholder 4" descr="mediabrowserblock"/>
+          <p:cNvPr id="12" name="Content Placeholder 11"/>
           <p:cNvPicPr>
-            <a:picLocks noChangeAspect="1"/>
+            <a:picLocks noGrp="1" noChangeAspect="1"/>
           </p:cNvPicPr>
           <p:nvPr>
             <p:ph idx="1"/>
           </p:nvPr>
         </p:nvPicPr>
         <p:blipFill>
-          <a:blip r:embed="rId1"/>
+          <a:blip r:embed="rId3">
+            <a:extLst>
+              <a:ext uri="{28A0092B-C50C-407E-A947-70E740481C1C}">
+                <a14:useLocalDpi xmlns:a14="http://schemas.microsoft.com/office/drawing/2010/main" val="0"/>
+              </a:ext>
+            </a:extLst>
+          </a:blip>
           <a:stretch>
             <a:fillRect/>
           </a:stretch>
         </p:blipFill>
         <p:spPr>
           <a:xfrm>
-            <a:off x="1790700" y="742950"/>
-            <a:ext cx="7896225" cy="5915025"/>
+            <a:off x="479376" y="1124744"/>
+            <a:ext cx="10966240" cy="4608512"/>
           </a:xfrm>
-          <a:prstGeom prst="rect">
-            <a:avLst/>
-          </a:prstGeom>
         </p:spPr>
       </p:pic>
     </p:spTree>
@@ -19226,11 +19045,17 @@
         <p:nvGraphicFramePr>
           <p:cNvPr id="4" name="Content Placeholder 3"/>
           <p:cNvGraphicFramePr/>
-          <p:nvPr/>
+          <p:nvPr>
+            <p:extLst>
+              <p:ext uri="{D42A27DB-BD31-4B8C-83A1-F6EECF244321}">
+                <p14:modId xmlns:p14="http://schemas.microsoft.com/office/powerpoint/2010/main" val="1340458355"/>
+              </p:ext>
+            </p:extLst>
+          </p:nvPr>
         </p:nvGraphicFramePr>
         <p:xfrm>
           <a:off x="341086" y="1942947"/>
-          <a:ext cx="10771188" cy="2225040"/>
+          <a:ext cx="10771188" cy="4124960"/>
         </p:xfrm>
         <a:graphic>
           <a:graphicData uri="http://schemas.openxmlformats.org/drawingml/2006/table">
@@ -19301,7 +19126,6 @@
                         <a:rPr lang="x-none" altLang="en-US"/>
                         <a:t>1.</a:t>
                       </a:r>
-                      <a:endParaRPr lang="x-none" altLang="en-US"/>
                     </a:p>
                   </a:txBody>
                   <a:tcPr/>
@@ -19315,7 +19139,6 @@
                         <a:rPr lang="x-none" altLang="en-US"/>
                         <a:t>Android MediaBrowserServiceCompat</a:t>
                       </a:r>
-                      <a:endParaRPr lang="x-none" altLang="en-US"/>
                     </a:p>
                   </a:txBody>
                   <a:tcPr/>
@@ -19327,7 +19150,43 @@
                     <a:p>
                       <a:r>
                         <a:rPr lang="x-none" altLang="en-US" dirty="0"/>
-                        <a:t>This android component works similar to a client-server model. So it can be used for the developement of an independent audio streaming application.</a:t>
+                        <a:t>This android </a:t>
+                      </a:r>
+                      <a:r>
+                        <a:rPr lang="en-US" altLang="en-US" dirty="0" smtClean="0"/>
+                        <a:t>framework</a:t>
+                      </a:r>
+                      <a:r>
+                        <a:rPr lang="en-US" altLang="en-US" baseline="0" dirty="0" smtClean="0"/>
+                        <a:t> </a:t>
+                      </a:r>
+                      <a:r>
+                        <a:rPr lang="x-none" altLang="en-US" dirty="0" smtClean="0"/>
+                        <a:t>component </a:t>
+                      </a:r>
+                      <a:r>
+                        <a:rPr lang="x-none" altLang="en-US" dirty="0"/>
+                        <a:t>works similar to a client-server model. So it can be used for the developement of an independent audio streaming </a:t>
+                      </a:r>
+                      <a:r>
+                        <a:rPr lang="x-none" altLang="en-US" dirty="0" smtClean="0"/>
+                        <a:t>application</a:t>
+                      </a:r>
+                      <a:r>
+                        <a:rPr lang="en-US" altLang="en-US" dirty="0" smtClean="0"/>
+                        <a:t> with </a:t>
+                      </a:r>
+                      <a:r>
+                        <a:rPr lang="en-US" altLang="en-US" dirty="0" err="1" smtClean="0"/>
+                        <a:t>hmi</a:t>
+                      </a:r>
+                      <a:r>
+                        <a:rPr lang="en-US" altLang="en-US" dirty="0" smtClean="0"/>
+                        <a:t> and service layers</a:t>
+                      </a:r>
+                      <a:r>
+                        <a:rPr lang="x-none" altLang="en-US" dirty="0" smtClean="0"/>
+                        <a:t>.</a:t>
                       </a:r>
                       <a:endParaRPr lang="x-none" altLang="en-US" dirty="0"/>
                     </a:p>
@@ -19345,7 +19204,6 @@
                         <a:rPr lang="x-none" altLang="en-US"/>
                         <a:t>2.</a:t>
                       </a:r>
-                      <a:endParaRPr lang="x-none" altLang="en-US"/>
                     </a:p>
                   </a:txBody>
                   <a:tcPr/>
@@ -19359,7 +19217,6 @@
                         <a:rPr lang="x-none" altLang="en-US"/>
                         <a:t>ExoPlayer</a:t>
                       </a:r>
-                      <a:endParaRPr lang="x-none" altLang="en-US"/>
                     </a:p>
                   </a:txBody>
                   <a:tcPr/>
@@ -19370,10 +19227,25 @@
                     <a:lstStyle/>
                     <a:p>
                       <a:r>
-                        <a:rPr lang="en-US"/>
-                        <a:t>It provides an alternative to Android's MediaPlayer API for playing audio and video both locally and over the Internet. </a:t>
+                        <a:rPr lang="en-US" dirty="0"/>
+                        <a:t>It provides an alternative to Android's </a:t>
                       </a:r>
-                      <a:endParaRPr lang="en-US"/>
+                      <a:r>
+                        <a:rPr lang="en-US" dirty="0" err="1"/>
+                        <a:t>MediaPlayer</a:t>
+                      </a:r>
+                      <a:r>
+                        <a:rPr lang="en-US" dirty="0"/>
+                        <a:t> </a:t>
+                      </a:r>
+                      <a:r>
+                        <a:rPr lang="en-US" dirty="0" smtClean="0"/>
+                        <a:t>APIs </a:t>
+                      </a:r>
+                      <a:r>
+                        <a:rPr lang="en-US" dirty="0"/>
+                        <a:t>for playing audio and video both locally and over the Internet. </a:t>
+                      </a:r>
                     </a:p>
                   </a:txBody>
                   <a:tcPr/>
@@ -19389,7 +19261,6 @@
                         <a:rPr lang="x-none" altLang="en-US"/>
                         <a:t>3.</a:t>
                       </a:r>
-                      <a:endParaRPr lang="x-none" altLang="en-US"/>
                     </a:p>
                   </a:txBody>
                   <a:tcPr/>
@@ -19403,7 +19274,6 @@
                         <a:rPr lang="x-none" altLang="en-US"/>
                         <a:t>AIDL (Android Interface Definition Language)</a:t>
                       </a:r>
-                      <a:endParaRPr lang="x-none" altLang="en-US"/>
                     </a:p>
                   </a:txBody>
                   <a:tcPr/>
@@ -19414,10 +19284,9 @@
                     <a:lstStyle/>
                     <a:p>
                       <a:r>
-                        <a:rPr lang="x-none" altLang="en-US"/>
+                        <a:rPr lang="x-none" altLang="en-US" dirty="0"/>
                         <a:t>It is an efficient IPC method used for developing android applications.</a:t>
                       </a:r>
-                      <a:endParaRPr lang="x-none" altLang="en-US"/>
                     </a:p>
                   </a:txBody>
                   <a:tcPr/>
@@ -19433,7 +19302,6 @@
                         <a:rPr lang="x-none" altLang="en-US"/>
                         <a:t>4.</a:t>
                       </a:r>
-                      <a:endParaRPr lang="x-none" altLang="en-US"/>
                     </a:p>
                   </a:txBody>
                   <a:tcPr/>
@@ -19463,7 +19331,6 @@
                         <a:rPr lang="x-none" altLang="en-US"/>
                         <a:t>It can be used for developing stable and efficient HMI applications</a:t>
                       </a:r>
-                      <a:endParaRPr lang="x-none" altLang="en-US"/>
                     </a:p>
                   </a:txBody>
                   <a:tcPr/>
@@ -19585,7 +19452,6 @@
               <a:rPr lang="x-none" altLang="en-US"/>
               <a:t>The application will include three APKs, </a:t>
             </a:r>
-            <a:endParaRPr lang="x-none" altLang="en-US"/>
           </a:p>
           <a:p>
             <a:pPr marL="342900" indent="-342900"/>
@@ -19615,9 +19481,6 @@
               </a:rPr>
               <a:t>InternetRadioPlayerService-1.5.0-debug.apk</a:t>
             </a:r>
-            <a:endParaRPr lang="x-none" altLang="en-US">
-              <a:sym typeface="+mn-ea"/>
-            </a:endParaRPr>
           </a:p>
           <a:p>
             <a:pPr marL="0" indent="0">
@@ -19694,7 +19557,6 @@
               <a:rPr lang="x-none" altLang="en-US"/>
               <a:t>Can be use internet radio as a entertainment source in automotive infotainment system like other media sources FM, SXM etc.</a:t>
             </a:r>
-            <a:endParaRPr lang="x-none" altLang="en-US"/>
           </a:p>
           <a:p>
             <a:pPr marL="342900" indent="-342900"/>
@@ -19706,7 +19568,6 @@
               <a:rPr lang="x-none" altLang="en-US"/>
               <a:t>The proposed soution can be used as a reusable component for developing efficient and robust audio streaming applications.</a:t>
             </a:r>
-            <a:endParaRPr lang="x-none" altLang="en-US"/>
           </a:p>
         </p:txBody>
       </p:sp>
@@ -19803,21 +19664,18 @@
               <a:rPr lang="x-none" altLang="en-US"/>
               <a:t>Got some idea about the structure of audio streaming applications for automotive infotainment systems and also familiarized with android framework component MediaBrowserServiceCompat. </a:t>
             </a:r>
-            <a:endParaRPr lang="x-none" altLang="en-US"/>
           </a:p>
           <a:p>
             <a:r>
               <a:rPr lang="x-none" altLang="en-US"/>
               <a:t>Taking challenges and making it happen.</a:t>
             </a:r>
-            <a:endParaRPr lang="x-none" altLang="en-US"/>
           </a:p>
           <a:p>
             <a:r>
               <a:rPr lang="x-none" altLang="en-US"/>
               <a:t>Developing an idea within limited time and limited resources.</a:t>
             </a:r>
-            <a:endParaRPr lang="x-none" altLang="en-US"/>
           </a:p>
           <a:p>
             <a:endParaRPr lang="x-none" altLang="en-US"/>
@@ -19891,7 +19749,6 @@
               <a:rPr lang="x-none" altLang="en-US"/>
               <a:t>in automotive industry. So, expects a big developement scope in this area. </a:t>
             </a:r>
-            <a:endParaRPr lang="x-none" altLang="en-US"/>
           </a:p>
           <a:p>
             <a:endParaRPr lang="x-none" altLang="en-US"/>
@@ -19901,7 +19758,6 @@
               <a:rPr lang="x-none" altLang="en-US"/>
               <a:t>Also MediaBrowserServiceCompat can be used for developing efficient music streaming applications.</a:t>
             </a:r>
-            <a:endParaRPr lang="x-none" altLang="en-US"/>
           </a:p>
         </p:txBody>
       </p:sp>
@@ -19983,14 +19839,14 @@
         <p:nvPicPr>
           <p:cNvPr id="3" name="Picture Placeholder 2" descr="IMG-20201214-WA0107"/>
           <p:cNvPicPr>
-            <a:picLocks noChangeAspect="1"/>
+            <a:picLocks noGrp="1" noChangeAspect="1"/>
           </p:cNvPicPr>
           <p:nvPr>
             <p:ph type="pic" idx="1"/>
           </p:nvPr>
         </p:nvPicPr>
         <p:blipFill>
-          <a:blip r:embed="rId1"/>
+          <a:blip r:embed="rId3"/>
           <a:stretch>
             <a:fillRect/>
           </a:stretch>
@@ -20024,14 +19880,12 @@
               <a:rPr lang="x-none" altLang="en-US" b="1" dirty="0"/>
               <a:t>It was a great experiece to work with a team whose members are staying in different locations. Coordinating and management of time while working in different remote locations was also a new challenge.</a:t>
             </a:r>
-            <a:endParaRPr lang="x-none" altLang="en-US" b="1" dirty="0"/>
           </a:p>
           <a:p>
             <a:r>
               <a:rPr lang="x-none" altLang="en-US" b="1" dirty="0"/>
               <a:t>Overall it was a fun yet a challenging experience for us all.</a:t>
             </a:r>
-            <a:endParaRPr lang="x-none" altLang="en-US" b="1" dirty="0"/>
           </a:p>
         </p:txBody>
       </p:sp>
